--- a/LOC/Facade.pptx
+++ b/LOC/Facade.pptx
@@ -214,7 +214,7 @@
           <a:p>
             <a:fld id="{ABCEBF47-C04A-4911-B507-1D2579A09211}" type="datetimeFigureOut">
               <a:rPr lang="en-GB" smtClean="0"/>
-              <a:t>07/01/2017</a:t>
+              <a:t>08/01/2017</a:t>
             </a:fld>
             <a:endParaRPr lang="en-GB"/>
           </a:p>
@@ -2125,7 +2125,7 @@
           <a:p>
             <a:fld id="{24D5ADCD-C615-4DE6-A938-0CE21817DB17}" type="datetimeFigureOut">
               <a:rPr lang="en-GB" smtClean="0"/>
-              <a:t>07/01/2017</a:t>
+              <a:t>08/01/2017</a:t>
             </a:fld>
             <a:endParaRPr lang="en-GB"/>
           </a:p>
@@ -2295,7 +2295,7 @@
           <a:p>
             <a:fld id="{24D5ADCD-C615-4DE6-A938-0CE21817DB17}" type="datetimeFigureOut">
               <a:rPr lang="en-GB" smtClean="0"/>
-              <a:t>07/01/2017</a:t>
+              <a:t>08/01/2017</a:t>
             </a:fld>
             <a:endParaRPr lang="en-GB"/>
           </a:p>
@@ -2475,7 +2475,7 @@
           <a:p>
             <a:fld id="{24D5ADCD-C615-4DE6-A938-0CE21817DB17}" type="datetimeFigureOut">
               <a:rPr lang="en-GB" smtClean="0"/>
-              <a:t>07/01/2017</a:t>
+              <a:t>08/01/2017</a:t>
             </a:fld>
             <a:endParaRPr lang="en-GB"/>
           </a:p>
@@ -2645,7 +2645,7 @@
           <a:p>
             <a:fld id="{24D5ADCD-C615-4DE6-A938-0CE21817DB17}" type="datetimeFigureOut">
               <a:rPr lang="en-GB" smtClean="0"/>
-              <a:t>07/01/2017</a:t>
+              <a:t>08/01/2017</a:t>
             </a:fld>
             <a:endParaRPr lang="en-GB"/>
           </a:p>
@@ -2891,7 +2891,7 @@
           <a:p>
             <a:fld id="{24D5ADCD-C615-4DE6-A938-0CE21817DB17}" type="datetimeFigureOut">
               <a:rPr lang="en-GB" smtClean="0"/>
-              <a:t>07/01/2017</a:t>
+              <a:t>08/01/2017</a:t>
             </a:fld>
             <a:endParaRPr lang="en-GB"/>
           </a:p>
@@ -3123,7 +3123,7 @@
           <a:p>
             <a:fld id="{24D5ADCD-C615-4DE6-A938-0CE21817DB17}" type="datetimeFigureOut">
               <a:rPr lang="en-GB" smtClean="0"/>
-              <a:t>07/01/2017</a:t>
+              <a:t>08/01/2017</a:t>
             </a:fld>
             <a:endParaRPr lang="en-GB"/>
           </a:p>
@@ -3490,7 +3490,7 @@
           <a:p>
             <a:fld id="{24D5ADCD-C615-4DE6-A938-0CE21817DB17}" type="datetimeFigureOut">
               <a:rPr lang="en-GB" smtClean="0"/>
-              <a:t>07/01/2017</a:t>
+              <a:t>08/01/2017</a:t>
             </a:fld>
             <a:endParaRPr lang="en-GB"/>
           </a:p>
@@ -3608,7 +3608,7 @@
           <a:p>
             <a:fld id="{24D5ADCD-C615-4DE6-A938-0CE21817DB17}" type="datetimeFigureOut">
               <a:rPr lang="en-GB" smtClean="0"/>
-              <a:t>07/01/2017</a:t>
+              <a:t>08/01/2017</a:t>
             </a:fld>
             <a:endParaRPr lang="en-GB"/>
           </a:p>
@@ -3703,7 +3703,7 @@
           <a:p>
             <a:fld id="{24D5ADCD-C615-4DE6-A938-0CE21817DB17}" type="datetimeFigureOut">
               <a:rPr lang="en-GB" smtClean="0"/>
-              <a:t>07/01/2017</a:t>
+              <a:t>08/01/2017</a:t>
             </a:fld>
             <a:endParaRPr lang="en-GB"/>
           </a:p>
@@ -3980,7 +3980,7 @@
           <a:p>
             <a:fld id="{24D5ADCD-C615-4DE6-A938-0CE21817DB17}" type="datetimeFigureOut">
               <a:rPr lang="en-GB" smtClean="0"/>
-              <a:t>07/01/2017</a:t>
+              <a:t>08/01/2017</a:t>
             </a:fld>
             <a:endParaRPr lang="en-GB"/>
           </a:p>
@@ -4233,7 +4233,7 @@
           <a:p>
             <a:fld id="{24D5ADCD-C615-4DE6-A938-0CE21817DB17}" type="datetimeFigureOut">
               <a:rPr lang="en-GB" smtClean="0"/>
-              <a:t>07/01/2017</a:t>
+              <a:t>08/01/2017</a:t>
             </a:fld>
             <a:endParaRPr lang="en-GB"/>
           </a:p>
@@ -4446,7 +4446,7 @@
           <a:p>
             <a:fld id="{24D5ADCD-C615-4DE6-A938-0CE21817DB17}" type="datetimeFigureOut">
               <a:rPr lang="en-GB" smtClean="0"/>
-              <a:t>07/01/2017</a:t>
+              <a:t>08/01/2017</a:t>
             </a:fld>
             <a:endParaRPr lang="en-GB"/>
           </a:p>
@@ -12571,7 +12571,7 @@
         <p:spPr>
           <a:xfrm>
             <a:off x="846898" y="2015931"/>
-            <a:ext cx="4666662" cy="584775"/>
+            <a:ext cx="3804247" cy="584775"/>
           </a:xfrm>
           <a:prstGeom prst="rect">
             <a:avLst/>
@@ -12589,49 +12589,7 @@
                 <a:latin typeface="Times New Roman" panose="02020603050405020304" pitchFamily="18" charset="0"/>
                 <a:cs typeface="Times New Roman" panose="02020603050405020304" pitchFamily="18" charset="0"/>
               </a:rPr>
-              <a:t>Mã</a:t>
-            </a:r>
-            <a:r>
-              <a:rPr lang="en-US" sz="3200" dirty="0">
-                <a:latin typeface="Times New Roman" panose="02020603050405020304" pitchFamily="18" charset="0"/>
-                <a:cs typeface="Times New Roman" panose="02020603050405020304" pitchFamily="18" charset="0"/>
-              </a:rPr>
-              <a:t> code </a:t>
-            </a:r>
-            <a:r>
-              <a:rPr lang="en-US" sz="3200" dirty="0" err="1">
-                <a:latin typeface="Times New Roman" panose="02020603050405020304" pitchFamily="18" charset="0"/>
-                <a:cs typeface="Times New Roman" panose="02020603050405020304" pitchFamily="18" charset="0"/>
-              </a:rPr>
-              <a:t>minh</a:t>
-            </a:r>
-            <a:r>
-              <a:rPr lang="en-US" sz="3200" dirty="0">
-                <a:latin typeface="Times New Roman" panose="02020603050405020304" pitchFamily="18" charset="0"/>
-                <a:cs typeface="Times New Roman" panose="02020603050405020304" pitchFamily="18" charset="0"/>
-              </a:rPr>
-              <a:t> </a:t>
-            </a:r>
-            <a:r>
-              <a:rPr lang="en-US" sz="3200" dirty="0" err="1">
-                <a:latin typeface="Times New Roman" panose="02020603050405020304" pitchFamily="18" charset="0"/>
-                <a:cs typeface="Times New Roman" panose="02020603050405020304" pitchFamily="18" charset="0"/>
-              </a:rPr>
-              <a:t>họa</a:t>
-            </a:r>
-            <a:r>
-              <a:rPr lang="en-US" sz="3200" dirty="0">
-                <a:latin typeface="Times New Roman" panose="02020603050405020304" pitchFamily="18" charset="0"/>
-                <a:cs typeface="Times New Roman" panose="02020603050405020304" pitchFamily="18" charset="0"/>
-              </a:rPr>
-              <a:t>: </a:t>
-            </a:r>
-            <a:r>
-              <a:rPr lang="en-US" sz="3200" dirty="0" err="1">
-                <a:latin typeface="Times New Roman" panose="02020603050405020304" pitchFamily="18" charset="0"/>
-                <a:cs typeface="Times New Roman" panose="02020603050405020304" pitchFamily="18" charset="0"/>
-              </a:rPr>
-              <a:t>kết</a:t>
+              <a:t>Kết</a:t>
             </a:r>
             <a:r>
               <a:rPr lang="en-US" sz="3200" dirty="0">
@@ -12646,6 +12604,55 @@
                 <a:cs typeface="Times New Roman" panose="02020603050405020304" pitchFamily="18" charset="0"/>
               </a:rPr>
               <a:t>quả</a:t>
+            </a:r>
+            <a:r>
+              <a:rPr lang="en-US" sz="3200" dirty="0">
+                <a:latin typeface="Times New Roman" panose="02020603050405020304" pitchFamily="18" charset="0"/>
+                <a:cs typeface="Times New Roman" panose="02020603050405020304" pitchFamily="18" charset="0"/>
+              </a:rPr>
+              <a:t> </a:t>
+            </a:r>
+            <a:r>
+              <a:rPr lang="en-US" sz="3200" dirty="0" err="1">
+                <a:latin typeface="Times New Roman" panose="02020603050405020304" pitchFamily="18" charset="0"/>
+                <a:cs typeface="Times New Roman" panose="02020603050405020304" pitchFamily="18" charset="0"/>
+              </a:rPr>
+              <a:t>ch</a:t>
+            </a:r>
+            <a:r>
+              <a:rPr lang="vi-VN" sz="3200" dirty="0">
+                <a:latin typeface="Times New Roman" panose="02020603050405020304" pitchFamily="18" charset="0"/>
+                <a:cs typeface="Times New Roman" panose="02020603050405020304" pitchFamily="18" charset="0"/>
+              </a:rPr>
+              <a:t>ư</a:t>
+            </a:r>
+            <a:r>
+              <a:rPr lang="en-US" sz="3200" dirty="0" err="1">
+                <a:latin typeface="Times New Roman" panose="02020603050405020304" pitchFamily="18" charset="0"/>
+                <a:cs typeface="Times New Roman" panose="02020603050405020304" pitchFamily="18" charset="0"/>
+              </a:rPr>
+              <a:t>ơng</a:t>
+            </a:r>
+            <a:r>
+              <a:rPr lang="en-US" sz="3200" dirty="0">
+                <a:latin typeface="Times New Roman" panose="02020603050405020304" pitchFamily="18" charset="0"/>
+                <a:cs typeface="Times New Roman" panose="02020603050405020304" pitchFamily="18" charset="0"/>
+              </a:rPr>
+              <a:t> </a:t>
+            </a:r>
+            <a:r>
+              <a:rPr lang="en-US" sz="3200" dirty="0" err="1">
+                <a:latin typeface="Times New Roman" panose="02020603050405020304" pitchFamily="18" charset="0"/>
+                <a:cs typeface="Times New Roman" panose="02020603050405020304" pitchFamily="18" charset="0"/>
+              </a:rPr>
+              <a:t>trình</a:t>
+            </a:r>
+            <a:r>
+              <a:rPr lang="en-US" sz="3200">
+                <a:latin typeface="Times New Roman" panose="02020603050405020304" pitchFamily="18" charset="0"/>
+                <a:cs typeface="Times New Roman" panose="02020603050405020304" pitchFamily="18" charset="0"/>
+              </a:rPr>
+              <a:t>:</a:t>
             </a:r>
             <a:endParaRPr lang="en-US" sz="3200" dirty="0">
               <a:latin typeface="Times New Roman" panose="02020603050405020304" pitchFamily="18" charset="0"/>
@@ -12677,7 +12684,7 @@
         <p:spPr>
           <a:xfrm>
             <a:off x="846898" y="2685662"/>
-            <a:ext cx="5458587" cy="3542860"/>
+            <a:ext cx="7715211" cy="3542860"/>
           </a:xfrm>
           <a:prstGeom prst="rect">
             <a:avLst/>
